--- a/ed-01/CurrentProblemsInExistentApps.pptx
+++ b/ed-01/CurrentProblemsInExistentApps.pptx
@@ -6,6 +6,10 @@
   </p:sldMasterIdLst>
   <p:sldIdLst>
     <p:sldId id="256" r:id="rId2"/>
+    <p:sldId id="257" r:id="rId3"/>
+    <p:sldId id="258" r:id="rId4"/>
+    <p:sldId id="259" r:id="rId5"/>
+    <p:sldId id="260" r:id="rId6"/>
   </p:sldIdLst>
   <p:sldSz cx="12192000" cy="6858000"/>
   <p:notesSz cx="6858000" cy="9144000"/>
@@ -447,7 +451,7 @@
           <a:p>
             <a:fld id="{14102C43-C5EA-48AA-9E43-417003BF34C6}" type="datetimeFigureOut">
               <a:rPr lang="pt-BR" smtClean="0"/>
-              <a:t>09/08/2024</a:t>
+              <a:t>13/08/2024</a:t>
             </a:fld>
             <a:endParaRPr lang="pt-BR"/>
           </a:p>
@@ -1535,7 +1539,7 @@
           <a:p>
             <a:fld id="{14102C43-C5EA-48AA-9E43-417003BF34C6}" type="datetimeFigureOut">
               <a:rPr lang="pt-BR" smtClean="0"/>
-              <a:t>09/08/2024</a:t>
+              <a:t>13/08/2024</a:t>
             </a:fld>
             <a:endParaRPr lang="pt-BR"/>
           </a:p>
@@ -2515,7 +2519,7 @@
           <a:p>
             <a:fld id="{14102C43-C5EA-48AA-9E43-417003BF34C6}" type="datetimeFigureOut">
               <a:rPr lang="pt-BR" smtClean="0"/>
-              <a:t>09/08/2024</a:t>
+              <a:t>13/08/2024</a:t>
             </a:fld>
             <a:endParaRPr lang="pt-BR"/>
           </a:p>
@@ -3649,7 +3653,7 @@
           <a:p>
             <a:fld id="{14102C43-C5EA-48AA-9E43-417003BF34C6}" type="datetimeFigureOut">
               <a:rPr lang="pt-BR" smtClean="0"/>
-              <a:t>09/08/2024</a:t>
+              <a:t>13/08/2024</a:t>
             </a:fld>
             <a:endParaRPr lang="pt-BR"/>
           </a:p>
@@ -4682,7 +4686,7 @@
           <a:p>
             <a:fld id="{14102C43-C5EA-48AA-9E43-417003BF34C6}" type="datetimeFigureOut">
               <a:rPr lang="pt-BR" smtClean="0"/>
-              <a:t>09/08/2024</a:t>
+              <a:t>13/08/2024</a:t>
             </a:fld>
             <a:endParaRPr lang="pt-BR"/>
           </a:p>
@@ -5342,7 +5346,7 @@
           <a:p>
             <a:fld id="{14102C43-C5EA-48AA-9E43-417003BF34C6}" type="datetimeFigureOut">
               <a:rPr lang="pt-BR" smtClean="0"/>
-              <a:t>09/08/2024</a:t>
+              <a:t>13/08/2024</a:t>
             </a:fld>
             <a:endParaRPr lang="pt-BR"/>
           </a:p>
@@ -6203,7 +6207,7 @@
           <a:p>
             <a:fld id="{14102C43-C5EA-48AA-9E43-417003BF34C6}" type="datetimeFigureOut">
               <a:rPr lang="pt-BR" smtClean="0"/>
-              <a:t>09/08/2024</a:t>
+              <a:t>13/08/2024</a:t>
             </a:fld>
             <a:endParaRPr lang="pt-BR"/>
           </a:p>
@@ -6393,7 +6397,7 @@
           <a:p>
             <a:fld id="{14102C43-C5EA-48AA-9E43-417003BF34C6}" type="datetimeFigureOut">
               <a:rPr lang="pt-BR" smtClean="0"/>
-              <a:t>09/08/2024</a:t>
+              <a:t>13/08/2024</a:t>
             </a:fld>
             <a:endParaRPr lang="pt-BR"/>
           </a:p>
@@ -7365,7 +7369,7 @@
           <a:p>
             <a:fld id="{14102C43-C5EA-48AA-9E43-417003BF34C6}" type="datetimeFigureOut">
               <a:rPr lang="pt-BR" smtClean="0"/>
-              <a:t>09/08/2024</a:t>
+              <a:t>13/08/2024</a:t>
             </a:fld>
             <a:endParaRPr lang="pt-BR"/>
           </a:p>
@@ -7576,7 +7580,7 @@
           <a:p>
             <a:fld id="{14102C43-C5EA-48AA-9E43-417003BF34C6}" type="datetimeFigureOut">
               <a:rPr lang="pt-BR" smtClean="0"/>
-              <a:t>09/08/2024</a:t>
+              <a:t>13/08/2024</a:t>
             </a:fld>
             <a:endParaRPr lang="pt-BR"/>
           </a:p>
@@ -8610,7 +8614,7 @@
           <a:p>
             <a:fld id="{14102C43-C5EA-48AA-9E43-417003BF34C6}" type="datetimeFigureOut">
               <a:rPr lang="pt-BR" smtClean="0"/>
-              <a:t>09/08/2024</a:t>
+              <a:t>13/08/2024</a:t>
             </a:fld>
             <a:endParaRPr lang="pt-BR"/>
           </a:p>
@@ -8882,7 +8886,7 @@
           <a:p>
             <a:fld id="{14102C43-C5EA-48AA-9E43-417003BF34C6}" type="datetimeFigureOut">
               <a:rPr lang="pt-BR" smtClean="0"/>
-              <a:t>09/08/2024</a:t>
+              <a:t>13/08/2024</a:t>
             </a:fld>
             <a:endParaRPr lang="pt-BR"/>
           </a:p>
@@ -9292,7 +9296,7 @@
           <a:p>
             <a:fld id="{14102C43-C5EA-48AA-9E43-417003BF34C6}" type="datetimeFigureOut">
               <a:rPr lang="pt-BR" smtClean="0"/>
-              <a:t>09/08/2024</a:t>
+              <a:t>13/08/2024</a:t>
             </a:fld>
             <a:endParaRPr lang="pt-BR"/>
           </a:p>
@@ -9419,7 +9423,7 @@
           <a:p>
             <a:fld id="{14102C43-C5EA-48AA-9E43-417003BF34C6}" type="datetimeFigureOut">
               <a:rPr lang="pt-BR" smtClean="0"/>
-              <a:t>09/08/2024</a:t>
+              <a:t>13/08/2024</a:t>
             </a:fld>
             <a:endParaRPr lang="pt-BR"/>
           </a:p>
@@ -9514,7 +9518,7 @@
           <a:p>
             <a:fld id="{14102C43-C5EA-48AA-9E43-417003BF34C6}" type="datetimeFigureOut">
               <a:rPr lang="pt-BR" smtClean="0"/>
-              <a:t>09/08/2024</a:t>
+              <a:t>13/08/2024</a:t>
             </a:fld>
             <a:endParaRPr lang="pt-BR"/>
           </a:p>
@@ -10595,7 +10599,7 @@
           <a:p>
             <a:fld id="{14102C43-C5EA-48AA-9E43-417003BF34C6}" type="datetimeFigureOut">
               <a:rPr lang="pt-BR" smtClean="0"/>
-              <a:t>09/08/2024</a:t>
+              <a:t>13/08/2024</a:t>
             </a:fld>
             <a:endParaRPr lang="pt-BR"/>
           </a:p>
@@ -11703,7 +11707,7 @@
           <a:p>
             <a:fld id="{14102C43-C5EA-48AA-9E43-417003BF34C6}" type="datetimeFigureOut">
               <a:rPr lang="pt-BR" smtClean="0"/>
-              <a:t>09/08/2024</a:t>
+              <a:t>13/08/2024</a:t>
             </a:fld>
             <a:endParaRPr lang="pt-BR"/>
           </a:p>
@@ -12700,7 +12704,7 @@
           <a:p>
             <a:fld id="{14102C43-C5EA-48AA-9E43-417003BF34C6}" type="datetimeFigureOut">
               <a:rPr lang="pt-BR" smtClean="0"/>
-              <a:t>09/08/2024</a:t>
+              <a:t>13/08/2024</a:t>
             </a:fld>
             <a:endParaRPr lang="pt-BR"/>
           </a:p>
@@ -13276,7 +13280,15 @@
           <a:p>
             <a:r>
               <a:rPr lang="pt-BR" dirty="0" smtClean="0"/>
-              <a:t>Problemas em Aplicativos Existentes</a:t>
+              <a:t>Problemas em Aplicativos </a:t>
+            </a:r>
+            <a:r>
+              <a:rPr lang="pt-BR" dirty="0" smtClean="0"/>
+              <a:t>Existentes e </a:t>
+            </a:r>
+            <a:r>
+              <a:rPr lang="pt-BR" dirty="0" err="1" smtClean="0"/>
+              <a:t>features</a:t>
             </a:r>
             <a:endParaRPr lang="pt-BR" dirty="0"/>
           </a:p>
@@ -13322,6 +13334,504 @@
       </p:par>
     </p:tnLst>
   </p:timing>
+</p:sld>
+</file>
+
+<file path=ppt/slides/slide2.xml><?xml version="1.0" encoding="utf-8"?>
+<p:sld xmlns:a="http://schemas.openxmlformats.org/drawingml/2006/main" xmlns:r="http://schemas.openxmlformats.org/officeDocument/2006/relationships" xmlns:p="http://schemas.openxmlformats.org/presentationml/2006/main">
+  <p:cSld>
+    <p:spTree>
+      <p:nvGrpSpPr>
+        <p:cNvPr id="1" name=""/>
+        <p:cNvGrpSpPr/>
+        <p:nvPr/>
+      </p:nvGrpSpPr>
+      <p:grpSpPr>
+        <a:xfrm>
+          <a:off x="0" y="0"/>
+          <a:ext cx="0" cy="0"/>
+          <a:chOff x="0" y="0"/>
+          <a:chExt cx="0" cy="0"/>
+        </a:xfrm>
+      </p:grpSpPr>
+      <p:sp>
+        <p:nvSpPr>
+          <p:cNvPr id="2" name="Título 1"/>
+          <p:cNvSpPr>
+            <a:spLocks noGrp="1"/>
+          </p:cNvSpPr>
+          <p:nvPr>
+            <p:ph type="title"/>
+          </p:nvPr>
+        </p:nvSpPr>
+        <p:spPr/>
+        <p:txBody>
+          <a:bodyPr/>
+          <a:lstStyle/>
+          <a:p>
+            <a:r>
+              <a:rPr lang="pt-BR" dirty="0" smtClean="0"/>
+              <a:t>Interface </a:t>
+            </a:r>
+            <a:r>
+              <a:rPr lang="pt-BR" dirty="0"/>
+              <a:t>mal </a:t>
+            </a:r>
+            <a:r>
+              <a:rPr lang="pt-BR" dirty="0" smtClean="0"/>
+              <a:t>projetada: </a:t>
+            </a:r>
+            <a:r>
+              <a:rPr lang="pt-BR" dirty="0" err="1" smtClean="0"/>
+              <a:t>RecargaPay</a:t>
+            </a:r>
+            <a:endParaRPr lang="pt-BR" dirty="0"/>
+          </a:p>
+        </p:txBody>
+      </p:sp>
+      <p:pic>
+        <p:nvPicPr>
+          <p:cNvPr id="6" name="Espaço Reservado para Conteúdo 5"/>
+          <p:cNvPicPr>
+            <a:picLocks noGrp="1" noChangeAspect="1"/>
+          </p:cNvPicPr>
+          <p:nvPr>
+            <p:ph idx="1"/>
+          </p:nvPr>
+        </p:nvPicPr>
+        <p:blipFill>
+          <a:blip r:embed="rId2" cstate="print">
+            <a:extLst>
+              <a:ext uri="{28A0092B-C50C-407E-A947-70E740481C1C}">
+                <a14:useLocalDpi xmlns:a14="http://schemas.microsoft.com/office/drawing/2010/main" val="0"/>
+              </a:ext>
+            </a:extLst>
+          </a:blip>
+          <a:stretch>
+            <a:fillRect/>
+          </a:stretch>
+        </p:blipFill>
+        <p:spPr bwMode="auto">
+          <a:xfrm>
+            <a:off x="4414773" y="2006237"/>
+            <a:ext cx="2241774" cy="4851763"/>
+          </a:xfrm>
+          <a:prstGeom prst="rect">
+            <a:avLst/>
+          </a:prstGeom>
+          <a:noFill/>
+          <a:extLst>
+            <a:ext uri="{909E8E84-426E-40DD-AFC4-6F175D3DCCD1}">
+              <a14:hiddenFill xmlns:a14="http://schemas.microsoft.com/office/drawing/2010/main">
+                <a:solidFill>
+                  <a:srgbClr val="FFFFFF"/>
+                </a:solidFill>
+              </a14:hiddenFill>
+            </a:ext>
+          </a:extLst>
+        </p:spPr>
+      </p:pic>
+    </p:spTree>
+    <p:extLst>
+      <p:ext uri="{BB962C8B-B14F-4D97-AF65-F5344CB8AC3E}">
+        <p14:creationId xmlns:p14="http://schemas.microsoft.com/office/powerpoint/2010/main" val="724292459"/>
+      </p:ext>
+    </p:extLst>
+  </p:cSld>
+  <p:clrMapOvr>
+    <a:masterClrMapping/>
+  </p:clrMapOvr>
+  <p:timing>
+    <p:tnLst>
+      <p:par>
+        <p:cTn id="1" dur="indefinite" restart="never" nodeType="tmRoot"/>
+      </p:par>
+    </p:tnLst>
+  </p:timing>
+</p:sld>
+</file>
+
+<file path=ppt/slides/slide3.xml><?xml version="1.0" encoding="utf-8"?>
+<p:sld xmlns:a="http://schemas.openxmlformats.org/drawingml/2006/main" xmlns:r="http://schemas.openxmlformats.org/officeDocument/2006/relationships" xmlns:p="http://schemas.openxmlformats.org/presentationml/2006/main">
+  <p:cSld>
+    <p:spTree>
+      <p:nvGrpSpPr>
+        <p:cNvPr id="1" name=""/>
+        <p:cNvGrpSpPr/>
+        <p:nvPr/>
+      </p:nvGrpSpPr>
+      <p:grpSpPr>
+        <a:xfrm>
+          <a:off x="0" y="0"/>
+          <a:ext cx="0" cy="0"/>
+          <a:chOff x="0" y="0"/>
+          <a:chExt cx="0" cy="0"/>
+        </a:xfrm>
+      </p:grpSpPr>
+      <p:sp>
+        <p:nvSpPr>
+          <p:cNvPr id="2" name="Título 1"/>
+          <p:cNvSpPr>
+            <a:spLocks noGrp="1"/>
+          </p:cNvSpPr>
+          <p:nvPr>
+            <p:ph type="title"/>
+          </p:nvPr>
+        </p:nvSpPr>
+        <p:spPr>
+          <a:xfrm>
+            <a:off x="1154954" y="1112214"/>
+            <a:ext cx="8761413" cy="706964"/>
+          </a:xfrm>
+        </p:spPr>
+        <p:txBody>
+          <a:bodyPr/>
+          <a:lstStyle/>
+          <a:p>
+            <a:r>
+              <a:rPr lang="pt-BR" dirty="0" smtClean="0"/>
+              <a:t>Interface </a:t>
+            </a:r>
+            <a:r>
+              <a:rPr lang="pt-BR" dirty="0"/>
+              <a:t>mal </a:t>
+            </a:r>
+            <a:r>
+              <a:rPr lang="pt-BR" dirty="0" smtClean="0"/>
+              <a:t>projetada </a:t>
+            </a:r>
+            <a:r>
+              <a:rPr lang="pt-BR" dirty="0"/>
+              <a:t>para mudança de </a:t>
+            </a:r>
+            <a:r>
+              <a:rPr lang="pt-BR" dirty="0" smtClean="0"/>
+              <a:t>orientação:</a:t>
+            </a:r>
+            <a:r>
+              <a:rPr lang="pt-BR" dirty="0"/>
+              <a:t/>
+            </a:r>
+            <a:br>
+              <a:rPr lang="pt-BR" dirty="0"/>
+            </a:br>
+            <a:endParaRPr lang="pt-BR" dirty="0"/>
+          </a:p>
+        </p:txBody>
+      </p:sp>
+      <p:sp>
+        <p:nvSpPr>
+          <p:cNvPr id="3" name="Espaço Reservado para Conteúdo 2"/>
+          <p:cNvSpPr>
+            <a:spLocks noGrp="1"/>
+          </p:cNvSpPr>
+          <p:nvPr>
+            <p:ph idx="1"/>
+          </p:nvPr>
+        </p:nvSpPr>
+        <p:spPr/>
+        <p:txBody>
+          <a:bodyPr/>
+          <a:lstStyle/>
+          <a:p>
+            <a:endParaRPr lang="pt-BR"/>
+          </a:p>
+        </p:txBody>
+      </p:sp>
+    </p:spTree>
+    <p:extLst>
+      <p:ext uri="{BB962C8B-B14F-4D97-AF65-F5344CB8AC3E}">
+        <p14:creationId xmlns:p14="http://schemas.microsoft.com/office/powerpoint/2010/main" val="3830486519"/>
+      </p:ext>
+    </p:extLst>
+  </p:cSld>
+  <p:clrMapOvr>
+    <a:masterClrMapping/>
+  </p:clrMapOvr>
+  <p:timing>
+    <p:tnLst>
+      <p:par>
+        <p:cTn id="1" dur="indefinite" restart="never" nodeType="tmRoot"/>
+      </p:par>
+    </p:tnLst>
+  </p:timing>
+</p:sld>
+</file>
+
+<file path=ppt/slides/slide4.xml><?xml version="1.0" encoding="utf-8"?>
+<p:sld xmlns:a="http://schemas.openxmlformats.org/drawingml/2006/main" xmlns:r="http://schemas.openxmlformats.org/officeDocument/2006/relationships" xmlns:p="http://schemas.openxmlformats.org/presentationml/2006/main">
+  <p:cSld>
+    <p:spTree>
+      <p:nvGrpSpPr>
+        <p:cNvPr id="1" name=""/>
+        <p:cNvGrpSpPr/>
+        <p:nvPr/>
+      </p:nvGrpSpPr>
+      <p:grpSpPr>
+        <a:xfrm>
+          <a:off x="0" y="0"/>
+          <a:ext cx="0" cy="0"/>
+          <a:chOff x="0" y="0"/>
+          <a:chExt cx="0" cy="0"/>
+        </a:xfrm>
+      </p:grpSpPr>
+      <p:sp>
+        <p:nvSpPr>
+          <p:cNvPr id="2" name="Título 1"/>
+          <p:cNvSpPr>
+            <a:spLocks noGrp="1"/>
+          </p:cNvSpPr>
+          <p:nvPr>
+            <p:ph type="title"/>
+          </p:nvPr>
+        </p:nvSpPr>
+        <p:spPr/>
+        <p:txBody>
+          <a:bodyPr/>
+          <a:lstStyle/>
+          <a:p>
+            <a:r>
+              <a:rPr lang="pt-BR" dirty="0" smtClean="0"/>
+              <a:t>Interações com outros dispositivos:</a:t>
+            </a:r>
+            <a:br>
+              <a:rPr lang="pt-BR" dirty="0" smtClean="0"/>
+            </a:br>
+            <a:r>
+              <a:rPr lang="pt-BR" dirty="0" smtClean="0"/>
+              <a:t>WhatsApp, </a:t>
+            </a:r>
+            <a:r>
+              <a:rPr lang="pt-BR" dirty="0" err="1" smtClean="0"/>
+              <a:t>Telegram</a:t>
+            </a:r>
+            <a:r>
+              <a:rPr lang="pt-BR" dirty="0" smtClean="0"/>
+              <a:t>, </a:t>
+            </a:r>
+            <a:r>
+              <a:rPr lang="pt-BR" dirty="0" err="1" smtClean="0"/>
+              <a:t>Discord</a:t>
+            </a:r>
+            <a:endParaRPr lang="pt-BR" dirty="0"/>
+          </a:p>
+        </p:txBody>
+      </p:sp>
+      <p:pic>
+        <p:nvPicPr>
+          <p:cNvPr id="4" name="Espaço Reservado para Conteúdo 3"/>
+          <p:cNvPicPr>
+            <a:picLocks noGrp="1" noChangeAspect="1"/>
+          </p:cNvPicPr>
+          <p:nvPr>
+            <p:ph idx="1"/>
+          </p:nvPr>
+        </p:nvPicPr>
+        <p:blipFill>
+          <a:blip r:embed="rId2">
+            <a:extLst>
+              <a:ext uri="{28A0092B-C50C-407E-A947-70E740481C1C}">
+                <a14:useLocalDpi xmlns:a14="http://schemas.microsoft.com/office/drawing/2010/main" val="0"/>
+              </a:ext>
+            </a:extLst>
+          </a:blip>
+          <a:stretch>
+            <a:fillRect/>
+          </a:stretch>
+        </p:blipFill>
+        <p:spPr>
+          <a:xfrm>
+            <a:off x="8769115" y="1937906"/>
+            <a:ext cx="2294504" cy="4920094"/>
+          </a:xfrm>
+        </p:spPr>
+      </p:pic>
+      <p:pic>
+        <p:nvPicPr>
+          <p:cNvPr id="5" name="Imagem 4"/>
+          <p:cNvPicPr>
+            <a:picLocks noChangeAspect="1"/>
+          </p:cNvPicPr>
+          <p:nvPr/>
+        </p:nvPicPr>
+        <p:blipFill>
+          <a:blip r:embed="rId3" cstate="print">
+            <a:extLst>
+              <a:ext uri="{28A0092B-C50C-407E-A947-70E740481C1C}">
+                <a14:useLocalDpi xmlns:a14="http://schemas.microsoft.com/office/drawing/2010/main" val="0"/>
+              </a:ext>
+            </a:extLst>
+          </a:blip>
+          <a:stretch>
+            <a:fillRect/>
+          </a:stretch>
+        </p:blipFill>
+        <p:spPr>
+          <a:xfrm>
+            <a:off x="4726792" y="1937906"/>
+            <a:ext cx="2348524" cy="4920094"/>
+          </a:xfrm>
+          <a:prstGeom prst="rect">
+            <a:avLst/>
+          </a:prstGeom>
+        </p:spPr>
+      </p:pic>
+      <p:pic>
+        <p:nvPicPr>
+          <p:cNvPr id="6" name="Imagem 5"/>
+          <p:cNvPicPr>
+            <a:picLocks noChangeAspect="1"/>
+          </p:cNvPicPr>
+          <p:nvPr/>
+        </p:nvPicPr>
+        <p:blipFill>
+          <a:blip r:embed="rId4">
+            <a:extLst>
+              <a:ext uri="{28A0092B-C50C-407E-A947-70E740481C1C}">
+                <a14:useLocalDpi xmlns:a14="http://schemas.microsoft.com/office/drawing/2010/main" val="0"/>
+              </a:ext>
+            </a:extLst>
+          </a:blip>
+          <a:stretch>
+            <a:fillRect/>
+          </a:stretch>
+        </p:blipFill>
+        <p:spPr>
+          <a:xfrm>
+            <a:off x="732833" y="1937906"/>
+            <a:ext cx="2300160" cy="4920094"/>
+          </a:xfrm>
+          <a:prstGeom prst="rect">
+            <a:avLst/>
+          </a:prstGeom>
+        </p:spPr>
+      </p:pic>
+    </p:spTree>
+    <p:extLst>
+      <p:ext uri="{BB962C8B-B14F-4D97-AF65-F5344CB8AC3E}">
+        <p14:creationId xmlns:p14="http://schemas.microsoft.com/office/powerpoint/2010/main" val="793909717"/>
+      </p:ext>
+    </p:extLst>
+  </p:cSld>
+  <p:clrMapOvr>
+    <a:masterClrMapping/>
+  </p:clrMapOvr>
+  <p:timing>
+    <p:tnLst>
+      <p:par>
+        <p:cTn id="1" dur="indefinite" restart="never" nodeType="tmRoot"/>
+      </p:par>
+    </p:tnLst>
+  </p:timing>
+</p:sld>
+</file>
+
+<file path=ppt/slides/slide5.xml><?xml version="1.0" encoding="utf-8"?>
+<p:sld xmlns:a="http://schemas.openxmlformats.org/drawingml/2006/main" xmlns:r="http://schemas.openxmlformats.org/officeDocument/2006/relationships" xmlns:p="http://schemas.openxmlformats.org/presentationml/2006/main">
+  <p:cSld>
+    <p:spTree>
+      <p:nvGrpSpPr>
+        <p:cNvPr id="1" name=""/>
+        <p:cNvGrpSpPr/>
+        <p:nvPr/>
+      </p:nvGrpSpPr>
+      <p:grpSpPr>
+        <a:xfrm>
+          <a:off x="0" y="0"/>
+          <a:ext cx="0" cy="0"/>
+          <a:chOff x="0" y="0"/>
+          <a:chExt cx="0" cy="0"/>
+        </a:xfrm>
+      </p:grpSpPr>
+      <p:sp>
+        <p:nvSpPr>
+          <p:cNvPr id="2" name="Título 1"/>
+          <p:cNvSpPr>
+            <a:spLocks noGrp="1"/>
+          </p:cNvSpPr>
+          <p:nvPr>
+            <p:ph type="title"/>
+          </p:nvPr>
+        </p:nvSpPr>
+        <p:spPr/>
+        <p:txBody>
+          <a:bodyPr/>
+          <a:lstStyle/>
+          <a:p>
+            <a:r>
+              <a:rPr lang="pt-BR" dirty="0"/>
+              <a:t>R</a:t>
+            </a:r>
+            <a:r>
+              <a:rPr lang="pt-BR" dirty="0" smtClean="0"/>
+              <a:t>ealizem </a:t>
+            </a:r>
+            <a:r>
+              <a:rPr lang="pt-BR" dirty="0"/>
+              <a:t>interações com outros </a:t>
+            </a:r>
+            <a:r>
+              <a:rPr lang="pt-BR" dirty="0" smtClean="0"/>
+              <a:t>aplicativos: </a:t>
+            </a:r>
+            <a:r>
+              <a:rPr lang="pt-BR" dirty="0" err="1" smtClean="0"/>
+              <a:t>Ifood</a:t>
+            </a:r>
+            <a:r>
+              <a:rPr lang="pt-BR" dirty="0" smtClean="0"/>
+              <a:t> </a:t>
+            </a:r>
+            <a:r>
+              <a:rPr lang="pt-BR" dirty="0"/>
+              <a:t/>
+            </a:r>
+            <a:br>
+              <a:rPr lang="pt-BR" dirty="0"/>
+            </a:br>
+            <a:endParaRPr lang="pt-BR" dirty="0"/>
+          </a:p>
+        </p:txBody>
+      </p:sp>
+      <p:pic>
+        <p:nvPicPr>
+          <p:cNvPr id="4" name="Espaço Reservado para Conteúdo 3"/>
+          <p:cNvPicPr>
+            <a:picLocks noGrp="1" noChangeAspect="1"/>
+          </p:cNvPicPr>
+          <p:nvPr>
+            <p:ph idx="1"/>
+          </p:nvPr>
+        </p:nvPicPr>
+        <p:blipFill>
+          <a:blip r:embed="rId2" cstate="print">
+            <a:extLst>
+              <a:ext uri="{28A0092B-C50C-407E-A947-70E740481C1C}">
+                <a14:useLocalDpi xmlns:a14="http://schemas.microsoft.com/office/drawing/2010/main" val="0"/>
+              </a:ext>
+            </a:extLst>
+          </a:blip>
+          <a:stretch>
+            <a:fillRect/>
+          </a:stretch>
+        </p:blipFill>
+        <p:spPr>
+          <a:xfrm>
+            <a:off x="1892971" y="2118591"/>
+            <a:ext cx="7285377" cy="4739409"/>
+          </a:xfrm>
+        </p:spPr>
+      </p:pic>
+    </p:spTree>
+    <p:extLst>
+      <p:ext uri="{BB962C8B-B14F-4D97-AF65-F5344CB8AC3E}">
+        <p14:creationId xmlns:p14="http://schemas.microsoft.com/office/powerpoint/2010/main" val="1361442003"/>
+      </p:ext>
+    </p:extLst>
+  </p:cSld>
+  <p:clrMapOvr>
+    <a:masterClrMapping/>
+  </p:clrMapOvr>
 </p:sld>
 </file>
 

--- a/ed-01/CurrentProblemsInExistentApps.pptx
+++ b/ed-01/CurrentProblemsInExistentApps.pptx
@@ -292,7 +292,7 @@
           </a:lstStyle>
           <a:p>
             <a:r>
-              <a:rPr lang="pt-BR" smtClean="0"/>
+              <a:rPr lang="pt-BR"/>
               <a:t>Clique para editar o título mestre</a:t>
             </a:r>
             <a:endParaRPr lang="en-US" dirty="0"/>
@@ -412,7 +412,7 @@
           </a:lstStyle>
           <a:p>
             <a:r>
-              <a:rPr lang="pt-BR" smtClean="0"/>
+              <a:rPr lang="pt-BR"/>
               <a:t>Clique para editar o estilo do subtítulo Mestre</a:t>
             </a:r>
             <a:endParaRPr lang="en-US" dirty="0"/>
@@ -451,7 +451,7 @@
           <a:p>
             <a:fld id="{14102C43-C5EA-48AA-9E43-417003BF34C6}" type="datetimeFigureOut">
               <a:rPr lang="pt-BR" smtClean="0"/>
-              <a:t>13/08/2024</a:t>
+              <a:t>16/08/2024</a:t>
             </a:fld>
             <a:endParaRPr lang="pt-BR"/>
           </a:p>
@@ -1362,7 +1362,7 @@
           </a:lstStyle>
           <a:p>
             <a:r>
-              <a:rPr lang="pt-BR" smtClean="0"/>
+              <a:rPr lang="pt-BR"/>
               <a:t>Clique para editar o título mestre</a:t>
             </a:r>
             <a:endParaRPr lang="en-US" dirty="0"/>
@@ -1441,7 +1441,7 @@
           </a:lstStyle>
           <a:p>
             <a:r>
-              <a:rPr lang="pt-BR" smtClean="0"/>
+              <a:rPr lang="pt-BR"/>
               <a:t>Clique no ícone para adicionar uma imagem</a:t>
             </a:r>
             <a:endParaRPr lang="en-US" dirty="0"/>
@@ -1516,7 +1516,7 @@
           <a:p>
             <a:pPr lvl="0"/>
             <a:r>
-              <a:rPr lang="pt-BR" smtClean="0"/>
+              <a:rPr lang="pt-BR"/>
               <a:t>Editar estilos de texto Mestre</a:t>
             </a:r>
           </a:p>
@@ -1539,7 +1539,7 @@
           <a:p>
             <a:fld id="{14102C43-C5EA-48AA-9E43-417003BF34C6}" type="datetimeFigureOut">
               <a:rPr lang="pt-BR" smtClean="0"/>
-              <a:t>13/08/2024</a:t>
+              <a:t>16/08/2024</a:t>
             </a:fld>
             <a:endParaRPr lang="pt-BR"/>
           </a:p>
@@ -2428,7 +2428,7 @@
           </a:lstStyle>
           <a:p>
             <a:r>
-              <a:rPr lang="pt-BR" smtClean="0"/>
+              <a:rPr lang="pt-BR"/>
               <a:t>Clique para editar o título mestre</a:t>
             </a:r>
             <a:endParaRPr lang="en-US" dirty="0"/>
@@ -2496,7 +2496,7 @@
           <a:p>
             <a:pPr lvl="0"/>
             <a:r>
-              <a:rPr lang="pt-BR" smtClean="0"/>
+              <a:rPr lang="pt-BR"/>
               <a:t>Editar estilos de texto Mestre</a:t>
             </a:r>
           </a:p>
@@ -2519,7 +2519,7 @@
           <a:p>
             <a:fld id="{14102C43-C5EA-48AA-9E43-417003BF34C6}" type="datetimeFigureOut">
               <a:rPr lang="pt-BR" smtClean="0"/>
-              <a:t>13/08/2024</a:t>
+              <a:t>16/08/2024</a:t>
             </a:fld>
             <a:endParaRPr lang="pt-BR"/>
           </a:p>
@@ -3486,7 +3486,7 @@
           </a:lstStyle>
           <a:p>
             <a:r>
-              <a:rPr lang="pt-BR" smtClean="0"/>
+              <a:rPr lang="pt-BR"/>
               <a:t>Clique para editar o título mestre</a:t>
             </a:r>
             <a:endParaRPr lang="en-US" dirty="0"/>
@@ -3563,7 +3563,7 @@
           <a:p>
             <a:pPr lvl="0"/>
             <a:r>
-              <a:rPr lang="pt-BR" smtClean="0"/>
+              <a:rPr lang="pt-BR"/>
               <a:t>Editar estilos de texto Mestre</a:t>
             </a:r>
           </a:p>
@@ -3630,7 +3630,7 @@
           <a:p>
             <a:pPr lvl="0"/>
             <a:r>
-              <a:rPr lang="pt-BR" smtClean="0"/>
+              <a:rPr lang="pt-BR"/>
               <a:t>Editar estilos de texto Mestre</a:t>
             </a:r>
           </a:p>
@@ -3653,7 +3653,7 @@
           <a:p>
             <a:fld id="{14102C43-C5EA-48AA-9E43-417003BF34C6}" type="datetimeFigureOut">
               <a:rPr lang="pt-BR" smtClean="0"/>
-              <a:t>13/08/2024</a:t>
+              <a:t>16/08/2024</a:t>
             </a:fld>
             <a:endParaRPr lang="pt-BR"/>
           </a:p>
@@ -4542,7 +4542,7 @@
           </a:lstStyle>
           <a:p>
             <a:r>
-              <a:rPr lang="pt-BR" smtClean="0"/>
+              <a:rPr lang="pt-BR"/>
               <a:t>Clique para editar o título mestre</a:t>
             </a:r>
             <a:endParaRPr lang="en-US" dirty="0"/>
@@ -4663,7 +4663,7 @@
           <a:p>
             <a:pPr lvl="0"/>
             <a:r>
-              <a:rPr lang="pt-BR" smtClean="0"/>
+              <a:rPr lang="pt-BR"/>
               <a:t>Editar estilos de texto Mestre</a:t>
             </a:r>
           </a:p>
@@ -4686,7 +4686,7 @@
           <a:p>
             <a:fld id="{14102C43-C5EA-48AA-9E43-417003BF34C6}" type="datetimeFigureOut">
               <a:rPr lang="pt-BR" smtClean="0"/>
-              <a:t>13/08/2024</a:t>
+              <a:t>16/08/2024</a:t>
             </a:fld>
             <a:endParaRPr lang="pt-BR"/>
           </a:p>
@@ -4825,7 +4825,7 @@
           </a:lstStyle>
           <a:p>
             <a:r>
-              <a:rPr lang="pt-BR" smtClean="0"/>
+              <a:rPr lang="pt-BR"/>
               <a:t>Clique para editar o título mestre</a:t>
             </a:r>
             <a:endParaRPr lang="en-US" dirty="0"/>
@@ -4900,7 +4900,7 @@
           <a:p>
             <a:pPr lvl="0"/>
             <a:r>
-              <a:rPr lang="pt-BR" smtClean="0"/>
+              <a:rPr lang="pt-BR"/>
               <a:t>Editar estilos de texto Mestre</a:t>
             </a:r>
           </a:p>
@@ -4967,7 +4967,7 @@
           <a:p>
             <a:pPr lvl="0"/>
             <a:r>
-              <a:rPr lang="pt-BR" smtClean="0"/>
+              <a:rPr lang="pt-BR"/>
               <a:t>Editar estilos de texto Mestre</a:t>
             </a:r>
           </a:p>
@@ -5041,7 +5041,7 @@
           <a:p>
             <a:pPr lvl="0"/>
             <a:r>
-              <a:rPr lang="pt-BR" smtClean="0"/>
+              <a:rPr lang="pt-BR"/>
               <a:t>Editar estilos de texto Mestre</a:t>
             </a:r>
           </a:p>
@@ -5108,7 +5108,7 @@
           <a:p>
             <a:pPr lvl="0"/>
             <a:r>
-              <a:rPr lang="pt-BR" smtClean="0"/>
+              <a:rPr lang="pt-BR"/>
               <a:t>Editar estilos de texto Mestre</a:t>
             </a:r>
           </a:p>
@@ -5182,7 +5182,7 @@
           <a:p>
             <a:pPr lvl="0"/>
             <a:r>
-              <a:rPr lang="pt-BR" smtClean="0"/>
+              <a:rPr lang="pt-BR"/>
               <a:t>Editar estilos de texto Mestre</a:t>
             </a:r>
           </a:p>
@@ -5249,7 +5249,7 @@
           <a:p>
             <a:pPr lvl="0"/>
             <a:r>
-              <a:rPr lang="pt-BR" smtClean="0"/>
+              <a:rPr lang="pt-BR"/>
               <a:t>Editar estilos de texto Mestre</a:t>
             </a:r>
           </a:p>
@@ -5346,7 +5346,7 @@
           <a:p>
             <a:fld id="{14102C43-C5EA-48AA-9E43-417003BF34C6}" type="datetimeFigureOut">
               <a:rPr lang="pt-BR" smtClean="0"/>
-              <a:t>13/08/2024</a:t>
+              <a:t>16/08/2024</a:t>
             </a:fld>
             <a:endParaRPr lang="pt-BR"/>
           </a:p>
@@ -5449,7 +5449,7 @@
           </a:lstStyle>
           <a:p>
             <a:r>
-              <a:rPr lang="pt-BR" smtClean="0"/>
+              <a:rPr lang="pt-BR"/>
               <a:t>Clique para editar o título mestre</a:t>
             </a:r>
             <a:endParaRPr lang="en-US" dirty="0"/>
@@ -5524,7 +5524,7 @@
           <a:p>
             <a:pPr lvl="0"/>
             <a:r>
-              <a:rPr lang="pt-BR" smtClean="0"/>
+              <a:rPr lang="pt-BR"/>
               <a:t>Editar estilos de texto Mestre</a:t>
             </a:r>
           </a:p>
@@ -5602,7 +5602,7 @@
           </a:lstStyle>
           <a:p>
             <a:r>
-              <a:rPr lang="pt-BR" smtClean="0"/>
+              <a:rPr lang="pt-BR"/>
               <a:t>Clique no ícone para adicionar uma imagem</a:t>
             </a:r>
             <a:endParaRPr lang="en-US" dirty="0"/>
@@ -5670,7 +5670,7 @@
           <a:p>
             <a:pPr lvl="0"/>
             <a:r>
-              <a:rPr lang="pt-BR" smtClean="0"/>
+              <a:rPr lang="pt-BR"/>
               <a:t>Editar estilos de texto Mestre</a:t>
             </a:r>
           </a:p>
@@ -5744,7 +5744,7 @@
           <a:p>
             <a:pPr lvl="0"/>
             <a:r>
-              <a:rPr lang="pt-BR" smtClean="0"/>
+              <a:rPr lang="pt-BR"/>
               <a:t>Editar estilos de texto Mestre</a:t>
             </a:r>
           </a:p>
@@ -5822,7 +5822,7 @@
           </a:lstStyle>
           <a:p>
             <a:r>
-              <a:rPr lang="pt-BR" smtClean="0"/>
+              <a:rPr lang="pt-BR"/>
               <a:t>Clique no ícone para adicionar uma imagem</a:t>
             </a:r>
             <a:endParaRPr lang="en-US" dirty="0"/>
@@ -5890,7 +5890,7 @@
           <a:p>
             <a:pPr lvl="0"/>
             <a:r>
-              <a:rPr lang="pt-BR" smtClean="0"/>
+              <a:rPr lang="pt-BR"/>
               <a:t>Editar estilos de texto Mestre</a:t>
             </a:r>
           </a:p>
@@ -5964,7 +5964,7 @@
           <a:p>
             <a:pPr lvl="0"/>
             <a:r>
-              <a:rPr lang="pt-BR" smtClean="0"/>
+              <a:rPr lang="pt-BR"/>
               <a:t>Editar estilos de texto Mestre</a:t>
             </a:r>
           </a:p>
@@ -6042,7 +6042,7 @@
           </a:lstStyle>
           <a:p>
             <a:r>
-              <a:rPr lang="pt-BR" smtClean="0"/>
+              <a:rPr lang="pt-BR"/>
               <a:t>Clique no ícone para adicionar uma imagem</a:t>
             </a:r>
             <a:endParaRPr lang="en-US" dirty="0"/>
@@ -6110,7 +6110,7 @@
           <a:p>
             <a:pPr lvl="0"/>
             <a:r>
-              <a:rPr lang="pt-BR" smtClean="0"/>
+              <a:rPr lang="pt-BR"/>
               <a:t>Editar estilos de texto Mestre</a:t>
             </a:r>
           </a:p>
@@ -6207,7 +6207,7 @@
           <a:p>
             <a:fld id="{14102C43-C5EA-48AA-9E43-417003BF34C6}" type="datetimeFigureOut">
               <a:rPr lang="pt-BR" smtClean="0"/>
-              <a:t>13/08/2024</a:t>
+              <a:t>16/08/2024</a:t>
             </a:fld>
             <a:endParaRPr lang="pt-BR"/>
           </a:p>
@@ -6311,7 +6311,7 @@
           <a:lstStyle/>
           <a:p>
             <a:r>
-              <a:rPr lang="pt-BR" smtClean="0"/>
+              <a:rPr lang="pt-BR"/>
               <a:t>Clique para editar o título mestre</a:t>
             </a:r>
             <a:endParaRPr lang="en-US" dirty="0"/>
@@ -6340,35 +6340,35 @@
           <a:p>
             <a:pPr lvl="0"/>
             <a:r>
-              <a:rPr lang="pt-BR" smtClean="0"/>
+              <a:rPr lang="pt-BR"/>
               <a:t>Editar estilos de texto Mestre</a:t>
             </a:r>
           </a:p>
           <a:p>
             <a:pPr lvl="1"/>
             <a:r>
-              <a:rPr lang="pt-BR" smtClean="0"/>
+              <a:rPr lang="pt-BR"/>
               <a:t>Segundo nível</a:t>
             </a:r>
           </a:p>
           <a:p>
             <a:pPr lvl="2"/>
             <a:r>
-              <a:rPr lang="pt-BR" smtClean="0"/>
+              <a:rPr lang="pt-BR"/>
               <a:t>Terceiro nível</a:t>
             </a:r>
           </a:p>
           <a:p>
             <a:pPr lvl="3"/>
             <a:r>
-              <a:rPr lang="pt-BR" smtClean="0"/>
+              <a:rPr lang="pt-BR"/>
               <a:t>Quarto nível</a:t>
             </a:r>
           </a:p>
           <a:p>
             <a:pPr lvl="4"/>
             <a:r>
-              <a:rPr lang="pt-BR" smtClean="0"/>
+              <a:rPr lang="pt-BR"/>
               <a:t>Quinto nível</a:t>
             </a:r>
             <a:endParaRPr lang="en-US" dirty="0"/>
@@ -6397,7 +6397,7 @@
           <a:p>
             <a:fld id="{14102C43-C5EA-48AA-9E43-417003BF34C6}" type="datetimeFigureOut">
               <a:rPr lang="pt-BR" smtClean="0"/>
-              <a:t>13/08/2024</a:t>
+              <a:t>16/08/2024</a:t>
             </a:fld>
             <a:endParaRPr lang="pt-BR"/>
           </a:p>
@@ -7283,7 +7283,7 @@
           <a:lstStyle/>
           <a:p>
             <a:r>
-              <a:rPr lang="pt-BR" smtClean="0"/>
+              <a:rPr lang="pt-BR"/>
               <a:t>Clique para editar o título mestre</a:t>
             </a:r>
             <a:endParaRPr lang="en-US" dirty="0"/>
@@ -7312,35 +7312,35 @@
           <a:p>
             <a:pPr lvl="0"/>
             <a:r>
-              <a:rPr lang="pt-BR" smtClean="0"/>
+              <a:rPr lang="pt-BR"/>
               <a:t>Editar estilos de texto Mestre</a:t>
             </a:r>
           </a:p>
           <a:p>
             <a:pPr lvl="1"/>
             <a:r>
-              <a:rPr lang="pt-BR" smtClean="0"/>
+              <a:rPr lang="pt-BR"/>
               <a:t>Segundo nível</a:t>
             </a:r>
           </a:p>
           <a:p>
             <a:pPr lvl="2"/>
             <a:r>
-              <a:rPr lang="pt-BR" smtClean="0"/>
+              <a:rPr lang="pt-BR"/>
               <a:t>Terceiro nível</a:t>
             </a:r>
           </a:p>
           <a:p>
             <a:pPr lvl="3"/>
             <a:r>
-              <a:rPr lang="pt-BR" smtClean="0"/>
+              <a:rPr lang="pt-BR"/>
               <a:t>Quarto nível</a:t>
             </a:r>
           </a:p>
           <a:p>
             <a:pPr lvl="4"/>
             <a:r>
-              <a:rPr lang="pt-BR" smtClean="0"/>
+              <a:rPr lang="pt-BR"/>
               <a:t>Quinto nível</a:t>
             </a:r>
             <a:endParaRPr lang="en-US" dirty="0"/>
@@ -7369,7 +7369,7 @@
           <a:p>
             <a:fld id="{14102C43-C5EA-48AA-9E43-417003BF34C6}" type="datetimeFigureOut">
               <a:rPr lang="pt-BR" smtClean="0"/>
-              <a:t>13/08/2024</a:t>
+              <a:t>16/08/2024</a:t>
             </a:fld>
             <a:endParaRPr lang="pt-BR"/>
           </a:p>
@@ -7499,7 +7499,7 @@
           <a:lstStyle/>
           <a:p>
             <a:r>
-              <a:rPr lang="pt-BR" smtClean="0"/>
+              <a:rPr lang="pt-BR"/>
               <a:t>Clique para editar o título mestre</a:t>
             </a:r>
             <a:endParaRPr lang="en-US" dirty="0"/>
@@ -7528,35 +7528,35 @@
           <a:p>
             <a:pPr lvl="0"/>
             <a:r>
-              <a:rPr lang="pt-BR" smtClean="0"/>
+              <a:rPr lang="pt-BR"/>
               <a:t>Editar estilos de texto Mestre</a:t>
             </a:r>
           </a:p>
           <a:p>
             <a:pPr lvl="1"/>
             <a:r>
-              <a:rPr lang="pt-BR" smtClean="0"/>
+              <a:rPr lang="pt-BR"/>
               <a:t>Segundo nível</a:t>
             </a:r>
           </a:p>
           <a:p>
             <a:pPr lvl="2"/>
             <a:r>
-              <a:rPr lang="pt-BR" smtClean="0"/>
+              <a:rPr lang="pt-BR"/>
               <a:t>Terceiro nível</a:t>
             </a:r>
           </a:p>
           <a:p>
             <a:pPr lvl="3"/>
             <a:r>
-              <a:rPr lang="pt-BR" smtClean="0"/>
+              <a:rPr lang="pt-BR"/>
               <a:t>Quarto nível</a:t>
             </a:r>
           </a:p>
           <a:p>
             <a:pPr lvl="4"/>
             <a:r>
-              <a:rPr lang="pt-BR" smtClean="0"/>
+              <a:rPr lang="pt-BR"/>
               <a:t>Quinto nível</a:t>
             </a:r>
             <a:endParaRPr lang="en-US" dirty="0"/>
@@ -7580,7 +7580,7 @@
           <a:p>
             <a:fld id="{14102C43-C5EA-48AA-9E43-417003BF34C6}" type="datetimeFigureOut">
               <a:rPr lang="pt-BR" smtClean="0"/>
-              <a:t>13/08/2024</a:t>
+              <a:t>16/08/2024</a:t>
             </a:fld>
             <a:endParaRPr lang="pt-BR"/>
           </a:p>
@@ -8470,7 +8470,7 @@
           </a:lstStyle>
           <a:p>
             <a:r>
-              <a:rPr lang="pt-BR" smtClean="0"/>
+              <a:rPr lang="pt-BR"/>
               <a:t>Clique para editar o título mestre</a:t>
             </a:r>
             <a:endParaRPr lang="en-US" dirty="0"/>
@@ -8591,7 +8591,7 @@
           <a:p>
             <a:pPr lvl="0"/>
             <a:r>
-              <a:rPr lang="pt-BR" smtClean="0"/>
+              <a:rPr lang="pt-BR"/>
               <a:t>Editar estilos de texto Mestre</a:t>
             </a:r>
           </a:p>
@@ -8614,7 +8614,7 @@
           <a:p>
             <a:fld id="{14102C43-C5EA-48AA-9E43-417003BF34C6}" type="datetimeFigureOut">
               <a:rPr lang="pt-BR" smtClean="0"/>
-              <a:t>13/08/2024</a:t>
+              <a:t>16/08/2024</a:t>
             </a:fld>
             <a:endParaRPr lang="pt-BR"/>
           </a:p>
@@ -8744,7 +8744,7 @@
           <a:lstStyle/>
           <a:p>
             <a:r>
-              <a:rPr lang="pt-BR" smtClean="0"/>
+              <a:rPr lang="pt-BR"/>
               <a:t>Clique para editar o título mestre</a:t>
             </a:r>
             <a:endParaRPr lang="en-US" dirty="0"/>
@@ -8775,35 +8775,35 @@
           <a:p>
             <a:pPr lvl="0"/>
             <a:r>
-              <a:rPr lang="pt-BR" smtClean="0"/>
+              <a:rPr lang="pt-BR"/>
               <a:t>Editar estilos de texto Mestre</a:t>
             </a:r>
           </a:p>
           <a:p>
             <a:pPr lvl="1"/>
             <a:r>
-              <a:rPr lang="pt-BR" smtClean="0"/>
+              <a:rPr lang="pt-BR"/>
               <a:t>Segundo nível</a:t>
             </a:r>
           </a:p>
           <a:p>
             <a:pPr lvl="2"/>
             <a:r>
-              <a:rPr lang="pt-BR" smtClean="0"/>
+              <a:rPr lang="pt-BR"/>
               <a:t>Terceiro nível</a:t>
             </a:r>
           </a:p>
           <a:p>
             <a:pPr lvl="3"/>
             <a:r>
-              <a:rPr lang="pt-BR" smtClean="0"/>
+              <a:rPr lang="pt-BR"/>
               <a:t>Quarto nível</a:t>
             </a:r>
           </a:p>
           <a:p>
             <a:pPr lvl="4"/>
             <a:r>
-              <a:rPr lang="pt-BR" smtClean="0"/>
+              <a:rPr lang="pt-BR"/>
               <a:t>Quinto nível</a:t>
             </a:r>
             <a:endParaRPr lang="en-US" dirty="0"/>
@@ -8834,35 +8834,35 @@
           <a:p>
             <a:pPr lvl="0"/>
             <a:r>
-              <a:rPr lang="pt-BR" smtClean="0"/>
+              <a:rPr lang="pt-BR"/>
               <a:t>Editar estilos de texto Mestre</a:t>
             </a:r>
           </a:p>
           <a:p>
             <a:pPr lvl="1"/>
             <a:r>
-              <a:rPr lang="pt-BR" smtClean="0"/>
+              <a:rPr lang="pt-BR"/>
               <a:t>Segundo nível</a:t>
             </a:r>
           </a:p>
           <a:p>
             <a:pPr lvl="2"/>
             <a:r>
-              <a:rPr lang="pt-BR" smtClean="0"/>
+              <a:rPr lang="pt-BR"/>
               <a:t>Terceiro nível</a:t>
             </a:r>
           </a:p>
           <a:p>
             <a:pPr lvl="3"/>
             <a:r>
-              <a:rPr lang="pt-BR" smtClean="0"/>
+              <a:rPr lang="pt-BR"/>
               <a:t>Quarto nível</a:t>
             </a:r>
           </a:p>
           <a:p>
             <a:pPr lvl="4"/>
             <a:r>
-              <a:rPr lang="pt-BR" smtClean="0"/>
+              <a:rPr lang="pt-BR"/>
               <a:t>Quinto nível</a:t>
             </a:r>
             <a:endParaRPr lang="en-US" dirty="0"/>
@@ -8886,7 +8886,7 @@
           <a:p>
             <a:fld id="{14102C43-C5EA-48AA-9E43-417003BF34C6}" type="datetimeFigureOut">
               <a:rPr lang="pt-BR" smtClean="0"/>
-              <a:t>13/08/2024</a:t>
+              <a:t>16/08/2024</a:t>
             </a:fld>
             <a:endParaRPr lang="pt-BR"/>
           </a:p>
@@ -8984,7 +8984,7 @@
           </a:lstStyle>
           <a:p>
             <a:r>
-              <a:rPr lang="pt-BR" smtClean="0"/>
+              <a:rPr lang="pt-BR"/>
               <a:t>Clique para editar o título mestre</a:t>
             </a:r>
             <a:endParaRPr lang="en-US" dirty="0"/>
@@ -9056,7 +9056,7 @@
           <a:p>
             <a:pPr lvl="0"/>
             <a:r>
-              <a:rPr lang="pt-BR" smtClean="0"/>
+              <a:rPr lang="pt-BR"/>
               <a:t>Editar estilos de texto Mestre</a:t>
             </a:r>
           </a:p>
@@ -9086,35 +9086,35 @@
           <a:p>
             <a:pPr lvl="0"/>
             <a:r>
-              <a:rPr lang="pt-BR" smtClean="0"/>
+              <a:rPr lang="pt-BR"/>
               <a:t>Editar estilos de texto Mestre</a:t>
             </a:r>
           </a:p>
           <a:p>
             <a:pPr lvl="1"/>
             <a:r>
-              <a:rPr lang="pt-BR" smtClean="0"/>
+              <a:rPr lang="pt-BR"/>
               <a:t>Segundo nível</a:t>
             </a:r>
           </a:p>
           <a:p>
             <a:pPr lvl="2"/>
             <a:r>
-              <a:rPr lang="pt-BR" smtClean="0"/>
+              <a:rPr lang="pt-BR"/>
               <a:t>Terceiro nível</a:t>
             </a:r>
           </a:p>
           <a:p>
             <a:pPr lvl="3"/>
             <a:r>
-              <a:rPr lang="pt-BR" smtClean="0"/>
+              <a:rPr lang="pt-BR"/>
               <a:t>Quarto nível</a:t>
             </a:r>
           </a:p>
           <a:p>
             <a:pPr lvl="4"/>
             <a:r>
-              <a:rPr lang="pt-BR" smtClean="0"/>
+              <a:rPr lang="pt-BR"/>
               <a:t>Quinto nível</a:t>
             </a:r>
             <a:endParaRPr lang="en-US" dirty="0"/>
@@ -9186,7 +9186,7 @@
           <a:p>
             <a:pPr lvl="0"/>
             <a:r>
-              <a:rPr lang="pt-BR" smtClean="0"/>
+              <a:rPr lang="pt-BR"/>
               <a:t>Editar estilos de texto Mestre</a:t>
             </a:r>
           </a:p>
@@ -9244,35 +9244,35 @@
           <a:p>
             <a:pPr lvl="0"/>
             <a:r>
-              <a:rPr lang="pt-BR" smtClean="0"/>
+              <a:rPr lang="pt-BR"/>
               <a:t>Editar estilos de texto Mestre</a:t>
             </a:r>
           </a:p>
           <a:p>
             <a:pPr lvl="1"/>
             <a:r>
-              <a:rPr lang="pt-BR" smtClean="0"/>
+              <a:rPr lang="pt-BR"/>
               <a:t>Segundo nível</a:t>
             </a:r>
           </a:p>
           <a:p>
             <a:pPr lvl="2"/>
             <a:r>
-              <a:rPr lang="pt-BR" smtClean="0"/>
+              <a:rPr lang="pt-BR"/>
               <a:t>Terceiro nível</a:t>
             </a:r>
           </a:p>
           <a:p>
             <a:pPr lvl="3"/>
             <a:r>
-              <a:rPr lang="pt-BR" smtClean="0"/>
+              <a:rPr lang="pt-BR"/>
               <a:t>Quarto nível</a:t>
             </a:r>
           </a:p>
           <a:p>
             <a:pPr lvl="4"/>
             <a:r>
-              <a:rPr lang="pt-BR" smtClean="0"/>
+              <a:rPr lang="pt-BR"/>
               <a:t>Quinto nível</a:t>
             </a:r>
             <a:endParaRPr lang="en-US" dirty="0"/>
@@ -9296,7 +9296,7 @@
           <a:p>
             <a:fld id="{14102C43-C5EA-48AA-9E43-417003BF34C6}" type="datetimeFigureOut">
               <a:rPr lang="pt-BR" smtClean="0"/>
-              <a:t>13/08/2024</a:t>
+              <a:t>16/08/2024</a:t>
             </a:fld>
             <a:endParaRPr lang="pt-BR"/>
           </a:p>
@@ -9399,7 +9399,7 @@
           </a:lstStyle>
           <a:p>
             <a:r>
-              <a:rPr lang="pt-BR" smtClean="0"/>
+              <a:rPr lang="pt-BR"/>
               <a:t>Clique para editar o título mestre</a:t>
             </a:r>
             <a:endParaRPr lang="en-US" dirty="0"/>
@@ -9423,7 +9423,7 @@
           <a:p>
             <a:fld id="{14102C43-C5EA-48AA-9E43-417003BF34C6}" type="datetimeFigureOut">
               <a:rPr lang="pt-BR" smtClean="0"/>
-              <a:t>13/08/2024</a:t>
+              <a:t>16/08/2024</a:t>
             </a:fld>
             <a:endParaRPr lang="pt-BR"/>
           </a:p>
@@ -9518,7 +9518,7 @@
           <a:p>
             <a:fld id="{14102C43-C5EA-48AA-9E43-417003BF34C6}" type="datetimeFigureOut">
               <a:rPr lang="pt-BR" smtClean="0"/>
-              <a:t>13/08/2024</a:t>
+              <a:t>16/08/2024</a:t>
             </a:fld>
             <a:endParaRPr lang="pt-BR"/>
           </a:p>
@@ -10444,7 +10444,7 @@
           </a:lstStyle>
           <a:p>
             <a:r>
-              <a:rPr lang="pt-BR" smtClean="0"/>
+              <a:rPr lang="pt-BR"/>
               <a:t>Clique para editar o título mestre</a:t>
             </a:r>
             <a:endParaRPr lang="en-US" dirty="0"/>
@@ -10475,35 +10475,35 @@
           <a:p>
             <a:pPr lvl="0"/>
             <a:r>
-              <a:rPr lang="pt-BR" smtClean="0"/>
+              <a:rPr lang="pt-BR"/>
               <a:t>Editar estilos de texto Mestre</a:t>
             </a:r>
           </a:p>
           <a:p>
             <a:pPr lvl="1"/>
             <a:r>
-              <a:rPr lang="pt-BR" smtClean="0"/>
+              <a:rPr lang="pt-BR"/>
               <a:t>Segundo nível</a:t>
             </a:r>
           </a:p>
           <a:p>
             <a:pPr lvl="2"/>
             <a:r>
-              <a:rPr lang="pt-BR" smtClean="0"/>
+              <a:rPr lang="pt-BR"/>
               <a:t>Terceiro nível</a:t>
             </a:r>
           </a:p>
           <a:p>
             <a:pPr lvl="3"/>
             <a:r>
-              <a:rPr lang="pt-BR" smtClean="0"/>
+              <a:rPr lang="pt-BR"/>
               <a:t>Quarto nível</a:t>
             </a:r>
           </a:p>
           <a:p>
             <a:pPr lvl="4"/>
             <a:r>
-              <a:rPr lang="pt-BR" smtClean="0"/>
+              <a:rPr lang="pt-BR"/>
               <a:t>Quinto nível</a:t>
             </a:r>
             <a:endParaRPr lang="en-US" dirty="0"/>
@@ -10576,7 +10576,7 @@
           <a:p>
             <a:pPr lvl="0"/>
             <a:r>
-              <a:rPr lang="pt-BR" smtClean="0"/>
+              <a:rPr lang="pt-BR"/>
               <a:t>Editar estilos de texto Mestre</a:t>
             </a:r>
           </a:p>
@@ -10599,7 +10599,7 @@
           <a:p>
             <a:fld id="{14102C43-C5EA-48AA-9E43-417003BF34C6}" type="datetimeFigureOut">
               <a:rPr lang="pt-BR" smtClean="0"/>
-              <a:t>13/08/2024</a:t>
+              <a:t>16/08/2024</a:t>
             </a:fld>
             <a:endParaRPr lang="pt-BR"/>
           </a:p>
@@ -11527,7 +11527,7 @@
           </a:lstStyle>
           <a:p>
             <a:r>
-              <a:rPr lang="pt-BR" smtClean="0"/>
+              <a:rPr lang="pt-BR"/>
               <a:t>Clique para editar o título mestre</a:t>
             </a:r>
             <a:endParaRPr lang="en-US" dirty="0"/>
@@ -11609,7 +11609,7 @@
               <a:buNone/>
             </a:pPr>
             <a:r>
-              <a:rPr lang="pt-BR" smtClean="0"/>
+              <a:rPr lang="pt-BR"/>
               <a:t>Clique no ícone para adicionar uma imagem</a:t>
             </a:r>
             <a:endParaRPr lang="en-US" dirty="0"/>
@@ -11684,7 +11684,7 @@
           <a:p>
             <a:pPr lvl="0"/>
             <a:r>
-              <a:rPr lang="pt-BR" smtClean="0"/>
+              <a:rPr lang="pt-BR"/>
               <a:t>Editar estilos de texto Mestre</a:t>
             </a:r>
           </a:p>
@@ -11707,7 +11707,7 @@
           <a:p>
             <a:fld id="{14102C43-C5EA-48AA-9E43-417003BF34C6}" type="datetimeFigureOut">
               <a:rPr lang="pt-BR" smtClean="0"/>
-              <a:t>13/08/2024</a:t>
+              <a:t>16/08/2024</a:t>
             </a:fld>
             <a:endParaRPr lang="pt-BR"/>
           </a:p>
@@ -12602,7 +12602,7 @@
           <a:lstStyle/>
           <a:p>
             <a:r>
-              <a:rPr lang="pt-BR" smtClean="0"/>
+              <a:rPr lang="pt-BR"/>
               <a:t>Clique para editar o título mestre</a:t>
             </a:r>
             <a:endParaRPr lang="en-US" dirty="0"/>
@@ -12636,35 +12636,35 @@
           <a:p>
             <a:pPr lvl="0"/>
             <a:r>
-              <a:rPr lang="pt-BR" smtClean="0"/>
+              <a:rPr lang="pt-BR"/>
               <a:t>Editar estilos de texto Mestre</a:t>
             </a:r>
           </a:p>
           <a:p>
             <a:pPr lvl="1"/>
             <a:r>
-              <a:rPr lang="pt-BR" smtClean="0"/>
+              <a:rPr lang="pt-BR"/>
               <a:t>Segundo nível</a:t>
             </a:r>
           </a:p>
           <a:p>
             <a:pPr lvl="2"/>
             <a:r>
-              <a:rPr lang="pt-BR" smtClean="0"/>
+              <a:rPr lang="pt-BR"/>
               <a:t>Terceiro nível</a:t>
             </a:r>
           </a:p>
           <a:p>
             <a:pPr lvl="3"/>
             <a:r>
-              <a:rPr lang="pt-BR" smtClean="0"/>
+              <a:rPr lang="pt-BR"/>
               <a:t>Quarto nível</a:t>
             </a:r>
           </a:p>
           <a:p>
             <a:pPr lvl="4"/>
             <a:r>
-              <a:rPr lang="pt-BR" smtClean="0"/>
+              <a:rPr lang="pt-BR"/>
               <a:t>Quinto nível</a:t>
             </a:r>
             <a:endParaRPr lang="en-US" dirty="0"/>
@@ -12704,7 +12704,7 @@
           <a:p>
             <a:fld id="{14102C43-C5EA-48AA-9E43-417003BF34C6}" type="datetimeFigureOut">
               <a:rPr lang="pt-BR" smtClean="0"/>
-              <a:t>13/08/2024</a:t>
+              <a:t>16/08/2024</a:t>
             </a:fld>
             <a:endParaRPr lang="pt-BR"/>
           </a:p>
@@ -13279,15 +13279,11 @@
           <a:lstStyle/>
           <a:p>
             <a:r>
-              <a:rPr lang="pt-BR" dirty="0" smtClean="0"/>
-              <a:t>Problemas em Aplicativos </a:t>
+              <a:rPr lang="pt-BR" dirty="0"/>
+              <a:t>Problemas em Aplicativos Existentes e </a:t>
             </a:r>
             <a:r>
-              <a:rPr lang="pt-BR" dirty="0" smtClean="0"/>
-              <a:t>Existentes e </a:t>
-            </a:r>
-            <a:r>
-              <a:rPr lang="pt-BR" dirty="0" err="1" smtClean="0"/>
+              <a:rPr lang="pt-BR" dirty="0" err="1"/>
               <a:t>features</a:t>
             </a:r>
             <a:endParaRPr lang="pt-BR" dirty="0"/>
@@ -13310,10 +13306,9 @@
           <a:lstStyle/>
           <a:p>
             <a:r>
-              <a:rPr lang="pt-BR" dirty="0" smtClean="0"/>
+              <a:rPr lang="pt-BR" dirty="0"/>
               <a:t>Leonardo sarruf batista – Arthur felipe recchia</a:t>
             </a:r>
-            <a:endParaRPr lang="pt-BR" dirty="0"/>
           </a:p>
         </p:txBody>
       </p:sp>
@@ -13327,13 +13322,6 @@
   <p:clrMapOvr>
     <a:masterClrMapping/>
   </p:clrMapOvr>
-  <p:timing>
-    <p:tnLst>
-      <p:par>
-        <p:cTn id="1" dur="indefinite" restart="never" nodeType="tmRoot"/>
-      </p:par>
-    </p:tnLst>
-  </p:timing>
 </p:sld>
 </file>
 
@@ -13370,19 +13358,11 @@
           <a:lstStyle/>
           <a:p>
             <a:r>
-              <a:rPr lang="pt-BR" dirty="0" smtClean="0"/>
-              <a:t>Interface </a:t>
+              <a:rPr lang="pt-BR" dirty="0"/>
+              <a:t>Interface mal projetada: </a:t>
             </a:r>
             <a:r>
-              <a:rPr lang="pt-BR" dirty="0"/>
-              <a:t>mal </a:t>
-            </a:r>
-            <a:r>
-              <a:rPr lang="pt-BR" dirty="0" smtClean="0"/>
-              <a:t>projetada: </a:t>
-            </a:r>
-            <a:r>
-              <a:rPr lang="pt-BR" dirty="0" err="1" smtClean="0"/>
+              <a:rPr lang="pt-BR" dirty="0" err="1"/>
               <a:t>RecargaPay</a:t>
             </a:r>
             <a:endParaRPr lang="pt-BR" dirty="0"/>
@@ -13441,13 +13421,6 @@
   <p:clrMapOvr>
     <a:masterClrMapping/>
   </p:clrMapOvr>
-  <p:timing>
-    <p:tnLst>
-      <p:par>
-        <p:cTn id="1" dur="indefinite" restart="never" nodeType="tmRoot"/>
-      </p:par>
-    </p:tnLst>
-  </p:timing>
 </p:sld>
 </file>
 
@@ -13489,28 +13462,8 @@
           <a:lstStyle/>
           <a:p>
             <a:r>
-              <a:rPr lang="pt-BR" dirty="0" smtClean="0"/>
-              <a:t>Interface </a:t>
-            </a:r>
-            <a:r>
               <a:rPr lang="pt-BR" dirty="0"/>
-              <a:t>mal </a:t>
-            </a:r>
-            <a:r>
-              <a:rPr lang="pt-BR" dirty="0" smtClean="0"/>
-              <a:t>projetada </a:t>
-            </a:r>
-            <a:r>
-              <a:rPr lang="pt-BR" dirty="0"/>
-              <a:t>para mudança de </a:t>
-            </a:r>
-            <a:r>
-              <a:rPr lang="pt-BR" dirty="0" smtClean="0"/>
-              <a:t>orientação:</a:t>
-            </a:r>
-            <a:r>
-              <a:rPr lang="pt-BR" dirty="0"/>
-              <a:t/>
+              <a:t>Interface mal projetada para mudança de orientação:</a:t>
             </a:r>
             <a:br>
               <a:rPr lang="pt-BR" dirty="0"/>
@@ -13519,25 +13472,41 @@
           </a:p>
         </p:txBody>
       </p:sp>
-      <p:sp>
-        <p:nvSpPr>
-          <p:cNvPr id="3" name="Espaço Reservado para Conteúdo 2"/>
-          <p:cNvSpPr>
-            <a:spLocks noGrp="1"/>
-          </p:cNvSpPr>
+      <p:pic>
+        <p:nvPicPr>
+          <p:cNvPr id="5" name="Espaço Reservado para Conteúdo 4">
+            <a:extLst>
+              <a:ext uri="{FF2B5EF4-FFF2-40B4-BE49-F238E27FC236}">
+                <a16:creationId xmlns:a16="http://schemas.microsoft.com/office/drawing/2014/main" id="{4FFBE8AD-559F-C51D-2A04-C6BE756F00FE}"/>
+              </a:ext>
+            </a:extLst>
+          </p:cNvPr>
+          <p:cNvPicPr>
+            <a:picLocks noGrp="1" noChangeAspect="1"/>
+          </p:cNvPicPr>
           <p:nvPr>
             <p:ph idx="1"/>
           </p:nvPr>
-        </p:nvSpPr>
-        <p:spPr/>
-        <p:txBody>
-          <a:bodyPr/>
-          <a:lstStyle/>
-          <a:p>
-            <a:endParaRPr lang="pt-BR"/>
-          </a:p>
-        </p:txBody>
-      </p:sp>
+        </p:nvPicPr>
+        <p:blipFill>
+          <a:blip r:embed="rId2">
+            <a:extLst>
+              <a:ext uri="{28A0092B-C50C-407E-A947-70E740481C1C}">
+                <a14:useLocalDpi xmlns:a14="http://schemas.microsoft.com/office/drawing/2010/main" val="0"/>
+              </a:ext>
+            </a:extLst>
+          </a:blip>
+          <a:stretch>
+            <a:fillRect/>
+          </a:stretch>
+        </p:blipFill>
+        <p:spPr>
+          <a:xfrm>
+            <a:off x="2016190" y="2517774"/>
+            <a:ext cx="8159620" cy="3768725"/>
+          </a:xfrm>
+        </p:spPr>
+      </p:pic>
     </p:spTree>
     <p:extLst>
       <p:ext uri="{BB962C8B-B14F-4D97-AF65-F5344CB8AC3E}">
@@ -13548,13 +13517,6 @@
   <p:clrMapOvr>
     <a:masterClrMapping/>
   </p:clrMapOvr>
-  <p:timing>
-    <p:tnLst>
-      <p:par>
-        <p:cTn id="1" dur="indefinite" restart="never" nodeType="tmRoot"/>
-      </p:par>
-    </p:tnLst>
-  </p:timing>
 </p:sld>
 </file>
 
@@ -13591,26 +13553,26 @@
           <a:lstStyle/>
           <a:p>
             <a:r>
-              <a:rPr lang="pt-BR" dirty="0" smtClean="0"/>
+              <a:rPr lang="pt-BR" dirty="0"/>
               <a:t>Interações com outros dispositivos:</a:t>
             </a:r>
             <a:br>
-              <a:rPr lang="pt-BR" dirty="0" smtClean="0"/>
+              <a:rPr lang="pt-BR" dirty="0"/>
             </a:br>
             <a:r>
-              <a:rPr lang="pt-BR" dirty="0" smtClean="0"/>
+              <a:rPr lang="pt-BR" dirty="0"/>
               <a:t>WhatsApp, </a:t>
             </a:r>
             <a:r>
-              <a:rPr lang="pt-BR" dirty="0" err="1" smtClean="0"/>
+              <a:rPr lang="pt-BR" dirty="0" err="1"/>
               <a:t>Telegram</a:t>
             </a:r>
             <a:r>
-              <a:rPr lang="pt-BR" dirty="0" smtClean="0"/>
+              <a:rPr lang="pt-BR" dirty="0"/>
               <a:t>, </a:t>
             </a:r>
             <a:r>
-              <a:rPr lang="pt-BR" dirty="0" err="1" smtClean="0"/>
+              <a:rPr lang="pt-BR" dirty="0" err="1"/>
               <a:t>Discord</a:t>
             </a:r>
             <a:endParaRPr lang="pt-BR" dirty="0"/>
@@ -13716,13 +13678,6 @@
   <p:clrMapOvr>
     <a:masterClrMapping/>
   </p:clrMapOvr>
-  <p:timing>
-    <p:tnLst>
-      <p:par>
-        <p:cTn id="1" dur="indefinite" restart="never" nodeType="tmRoot"/>
-      </p:par>
-    </p:tnLst>
-  </p:timing>
 </p:sld>
 </file>
 
@@ -13760,31 +13715,15 @@
           <a:p>
             <a:r>
               <a:rPr lang="pt-BR" dirty="0"/>
-              <a:t>R</a:t>
+              <a:t>Realizem interações com outros aplicativos: </a:t>
             </a:r>
             <a:r>
-              <a:rPr lang="pt-BR" dirty="0" smtClean="0"/>
-              <a:t>ealizem </a:t>
+              <a:rPr lang="pt-BR" dirty="0" err="1"/>
+              <a:t>Ifood</a:t>
             </a:r>
             <a:r>
               <a:rPr lang="pt-BR" dirty="0"/>
-              <a:t>interações com outros </a:t>
-            </a:r>
-            <a:r>
-              <a:rPr lang="pt-BR" dirty="0" smtClean="0"/>
-              <a:t>aplicativos: </a:t>
-            </a:r>
-            <a:r>
-              <a:rPr lang="pt-BR" dirty="0" err="1" smtClean="0"/>
-              <a:t>Ifood</a:t>
-            </a:r>
-            <a:r>
-              <a:rPr lang="pt-BR" dirty="0" smtClean="0"/>
               <a:t> </a:t>
-            </a:r>
-            <a:r>
-              <a:rPr lang="pt-BR" dirty="0"/>
-              <a:t/>
             </a:r>
             <a:br>
               <a:rPr lang="pt-BR" dirty="0"/>
@@ -13817,7 +13756,7 @@
         </p:blipFill>
         <p:spPr>
           <a:xfrm>
-            <a:off x="1892971" y="2118591"/>
+            <a:off x="1892971" y="2318616"/>
             <a:ext cx="7285377" cy="4739409"/>
           </a:xfrm>
         </p:spPr>

--- a/ed-01/CurrentProblemsInExistentApps.pptx
+++ b/ed-01/CurrentProblemsInExistentApps.pptx
@@ -10,6 +10,10 @@
     <p:sldId id="258" r:id="rId4"/>
     <p:sldId id="259" r:id="rId5"/>
     <p:sldId id="260" r:id="rId6"/>
+    <p:sldId id="261" r:id="rId7"/>
+    <p:sldId id="262" r:id="rId8"/>
+    <p:sldId id="263" r:id="rId9"/>
+    <p:sldId id="264" r:id="rId10"/>
   </p:sldIdLst>
   <p:sldSz cx="12192000" cy="6858000"/>
   <p:notesSz cx="6858000" cy="9144000"/>
@@ -13714,8 +13718,12 @@
           <a:lstStyle/>
           <a:p>
             <a:r>
+              <a:rPr lang="pt-BR" dirty="0" smtClean="0"/>
+              <a:t>Realiza </a:t>
+            </a:r>
+            <a:r>
               <a:rPr lang="pt-BR" dirty="0"/>
-              <a:t>Realizem interações com outros aplicativos: </a:t>
+              <a:t>interações com outros aplicativos: </a:t>
             </a:r>
             <a:r>
               <a:rPr lang="pt-BR" dirty="0" err="1"/>
@@ -13765,6 +13773,607 @@
     <p:extLst>
       <p:ext uri="{BB962C8B-B14F-4D97-AF65-F5344CB8AC3E}">
         <p14:creationId xmlns:p14="http://schemas.microsoft.com/office/powerpoint/2010/main" val="1361442003"/>
+      </p:ext>
+    </p:extLst>
+  </p:cSld>
+  <p:clrMapOvr>
+    <a:masterClrMapping/>
+  </p:clrMapOvr>
+</p:sld>
+</file>
+
+<file path=ppt/slides/slide6.xml><?xml version="1.0" encoding="utf-8"?>
+<p:sld xmlns:a="http://schemas.openxmlformats.org/drawingml/2006/main" xmlns:r="http://schemas.openxmlformats.org/officeDocument/2006/relationships" xmlns:p="http://schemas.openxmlformats.org/presentationml/2006/main">
+  <p:cSld>
+    <p:spTree>
+      <p:nvGrpSpPr>
+        <p:cNvPr id="1" name=""/>
+        <p:cNvGrpSpPr/>
+        <p:nvPr/>
+      </p:nvGrpSpPr>
+      <p:grpSpPr>
+        <a:xfrm>
+          <a:off x="0" y="0"/>
+          <a:ext cx="0" cy="0"/>
+          <a:chOff x="0" y="0"/>
+          <a:chExt cx="0" cy="0"/>
+        </a:xfrm>
+      </p:grpSpPr>
+      <p:sp>
+        <p:nvSpPr>
+          <p:cNvPr id="2" name="Título 1"/>
+          <p:cNvSpPr>
+            <a:spLocks noGrp="1"/>
+          </p:cNvSpPr>
+          <p:nvPr>
+            <p:ph type="title"/>
+          </p:nvPr>
+        </p:nvSpPr>
+        <p:spPr/>
+        <p:txBody>
+          <a:bodyPr/>
+          <a:lstStyle/>
+          <a:p>
+            <a:r>
+              <a:rPr lang="pt-BR" dirty="0" smtClean="0"/>
+              <a:t>Maneiras </a:t>
+            </a:r>
+            <a:r>
+              <a:rPr lang="pt-BR" dirty="0"/>
+              <a:t>de como resolver ou evitar </a:t>
+            </a:r>
+            <a:r>
+              <a:rPr lang="pt-BR" dirty="0" smtClean="0"/>
+              <a:t>problemas </a:t>
+            </a:r>
+            <a:r>
+              <a:rPr lang="pt-BR" dirty="0"/>
+              <a:t>de hardware </a:t>
+            </a:r>
+          </a:p>
+        </p:txBody>
+      </p:sp>
+      <p:sp>
+        <p:nvSpPr>
+          <p:cNvPr id="3" name="Espaço Reservado para Conteúdo 2"/>
+          <p:cNvSpPr>
+            <a:spLocks noGrp="1"/>
+          </p:cNvSpPr>
+          <p:nvPr>
+            <p:ph idx="1"/>
+          </p:nvPr>
+        </p:nvSpPr>
+        <p:spPr/>
+        <p:txBody>
+          <a:bodyPr/>
+          <a:lstStyle/>
+          <a:p>
+            <a:r>
+              <a:rPr lang="pt-BR" sz="2000" b="1" dirty="0" smtClean="0"/>
+              <a:t>Alto Consumo de Energia</a:t>
+            </a:r>
+          </a:p>
+          <a:p>
+            <a:pPr marL="0" indent="0">
+              <a:buNone/>
+            </a:pPr>
+            <a:r>
+              <a:rPr lang="pt-BR" dirty="0" smtClean="0"/>
+              <a:t>-</a:t>
+            </a:r>
+            <a:r>
+              <a:rPr lang="pt-BR" b="1" dirty="0" smtClean="0"/>
+              <a:t>Ajustar o Brilho da Tela:</a:t>
+            </a:r>
+            <a:r>
+              <a:rPr lang="pt-BR" dirty="0" smtClean="0"/>
+              <a:t> reduzir o brilho da tela do smartphone pode ajudar a reduzir o consumo de energia drasticamente, em casos de aplicativo sempre é bom recorrer pela escolha de modos de interface: “Escuro” e “Claro”.</a:t>
+            </a:r>
+          </a:p>
+          <a:p>
+            <a:pPr marL="0" indent="0">
+              <a:buNone/>
+            </a:pPr>
+            <a:r>
+              <a:rPr lang="pt-BR" b="1" dirty="0" smtClean="0"/>
+              <a:t>-</a:t>
+            </a:r>
+            <a:r>
+              <a:rPr lang="pt-BR" b="1" dirty="0"/>
+              <a:t>Modo de Economia de Bateria</a:t>
+            </a:r>
+            <a:r>
+              <a:rPr lang="pt-BR" b="1" dirty="0" smtClean="0"/>
+              <a:t>: </a:t>
+            </a:r>
+            <a:r>
+              <a:rPr lang="pt-BR" dirty="0" smtClean="0"/>
+              <a:t>o modo economia de bateria está presente em praticamente todos os aparelhos celulares, e existem aplicativos que reconhecem o estado da bateria e sugerem o modo de economia.</a:t>
+            </a:r>
+            <a:endParaRPr lang="pt-BR" b="1" dirty="0" smtClean="0"/>
+          </a:p>
+        </p:txBody>
+      </p:sp>
+    </p:spTree>
+    <p:extLst>
+      <p:ext uri="{BB962C8B-B14F-4D97-AF65-F5344CB8AC3E}">
+        <p14:creationId xmlns:p14="http://schemas.microsoft.com/office/powerpoint/2010/main" val="660188973"/>
+      </p:ext>
+    </p:extLst>
+  </p:cSld>
+  <p:clrMapOvr>
+    <a:masterClrMapping/>
+  </p:clrMapOvr>
+</p:sld>
+</file>
+
+<file path=ppt/slides/slide7.xml><?xml version="1.0" encoding="utf-8"?>
+<p:sld xmlns:a="http://schemas.openxmlformats.org/drawingml/2006/main" xmlns:r="http://schemas.openxmlformats.org/officeDocument/2006/relationships" xmlns:p="http://schemas.openxmlformats.org/presentationml/2006/main">
+  <p:cSld>
+    <p:spTree>
+      <p:nvGrpSpPr>
+        <p:cNvPr id="1" name=""/>
+        <p:cNvGrpSpPr/>
+        <p:nvPr/>
+      </p:nvGrpSpPr>
+      <p:grpSpPr>
+        <a:xfrm>
+          <a:off x="0" y="0"/>
+          <a:ext cx="0" cy="0"/>
+          <a:chOff x="0" y="0"/>
+          <a:chExt cx="0" cy="0"/>
+        </a:xfrm>
+      </p:grpSpPr>
+      <p:sp>
+        <p:nvSpPr>
+          <p:cNvPr id="2" name="Título 1"/>
+          <p:cNvSpPr>
+            <a:spLocks noGrp="1"/>
+          </p:cNvSpPr>
+          <p:nvPr>
+            <p:ph type="title"/>
+          </p:nvPr>
+        </p:nvSpPr>
+        <p:spPr/>
+        <p:txBody>
+          <a:bodyPr/>
+          <a:lstStyle/>
+          <a:p>
+            <a:r>
+              <a:rPr lang="pt-BR" dirty="0"/>
+              <a:t>Maneiras de como resolver ou evitar problemas de hardware </a:t>
+            </a:r>
+          </a:p>
+        </p:txBody>
+      </p:sp>
+      <p:sp>
+        <p:nvSpPr>
+          <p:cNvPr id="3" name="Espaço Reservado para Conteúdo 2"/>
+          <p:cNvSpPr>
+            <a:spLocks noGrp="1"/>
+          </p:cNvSpPr>
+          <p:nvPr>
+            <p:ph idx="1"/>
+          </p:nvPr>
+        </p:nvSpPr>
+        <p:spPr/>
+        <p:txBody>
+          <a:bodyPr/>
+          <a:lstStyle/>
+          <a:p>
+            <a:r>
+              <a:rPr lang="pt-BR" sz="2000" b="1" dirty="0"/>
+              <a:t>Alto Consumo de </a:t>
+            </a:r>
+            <a:r>
+              <a:rPr lang="pt-BR" sz="2000" b="1" dirty="0" smtClean="0"/>
+              <a:t>Memória</a:t>
+            </a:r>
+            <a:endParaRPr lang="pt-BR" sz="2000" b="1" dirty="0"/>
+          </a:p>
+          <a:p>
+            <a:pPr marL="0" indent="0">
+              <a:buNone/>
+            </a:pPr>
+            <a:r>
+              <a:rPr lang="pt-BR" b="1" dirty="0"/>
+              <a:t>-Controle de Armazenamento: </a:t>
+            </a:r>
+            <a:r>
+              <a:rPr lang="pt-BR" dirty="0"/>
+              <a:t>saber controlar o armazenamento do celular é uma ótima sugestão para economizar </a:t>
+            </a:r>
+            <a:r>
+              <a:rPr lang="pt-BR" dirty="0" smtClean="0"/>
+              <a:t>memória, </a:t>
+            </a:r>
+            <a:r>
+              <a:rPr lang="pt-BR" dirty="0"/>
+              <a:t>limpar arquivos cache e outros arquivos temporários.</a:t>
+            </a:r>
+            <a:endParaRPr lang="pt-BR" b="1" dirty="0"/>
+          </a:p>
+          <a:p>
+            <a:pPr marL="0" indent="0">
+              <a:buNone/>
+            </a:pPr>
+            <a:r>
+              <a:rPr lang="pt-BR" b="1" dirty="0" smtClean="0"/>
+              <a:t>-Desinstalar Aplicativos não Usados:</a:t>
+            </a:r>
+            <a:r>
+              <a:rPr lang="pt-BR" dirty="0"/>
+              <a:t> </a:t>
+            </a:r>
+            <a:r>
+              <a:rPr lang="pt-BR" dirty="0" smtClean="0"/>
+              <a:t>desinstalar aplicativos que não são usados com frequência podem ajudar a deixar o celular mais leve e consumir menos memória</a:t>
+            </a:r>
+          </a:p>
+          <a:p>
+            <a:pPr marL="0" indent="0">
+              <a:buNone/>
+            </a:pPr>
+            <a:endParaRPr lang="pt-BR" b="1" dirty="0" smtClean="0"/>
+          </a:p>
+          <a:p>
+            <a:pPr marL="0" indent="0">
+              <a:buNone/>
+            </a:pPr>
+            <a:endParaRPr lang="pt-BR" dirty="0"/>
+          </a:p>
+        </p:txBody>
+      </p:sp>
+    </p:spTree>
+    <p:extLst>
+      <p:ext uri="{BB962C8B-B14F-4D97-AF65-F5344CB8AC3E}">
+        <p14:creationId xmlns:p14="http://schemas.microsoft.com/office/powerpoint/2010/main" val="1783551872"/>
+      </p:ext>
+    </p:extLst>
+  </p:cSld>
+  <p:clrMapOvr>
+    <a:masterClrMapping/>
+  </p:clrMapOvr>
+</p:sld>
+</file>
+
+<file path=ppt/slides/slide8.xml><?xml version="1.0" encoding="utf-8"?>
+<p:sld xmlns:a="http://schemas.openxmlformats.org/drawingml/2006/main" xmlns:r="http://schemas.openxmlformats.org/officeDocument/2006/relationships" xmlns:p="http://schemas.openxmlformats.org/presentationml/2006/main">
+  <p:cSld>
+    <p:spTree>
+      <p:nvGrpSpPr>
+        <p:cNvPr id="1" name=""/>
+        <p:cNvGrpSpPr/>
+        <p:nvPr/>
+      </p:nvGrpSpPr>
+      <p:grpSpPr>
+        <a:xfrm>
+          <a:off x="0" y="0"/>
+          <a:ext cx="0" cy="0"/>
+          <a:chOff x="0" y="0"/>
+          <a:chExt cx="0" cy="0"/>
+        </a:xfrm>
+      </p:grpSpPr>
+      <p:sp>
+        <p:nvSpPr>
+          <p:cNvPr id="2" name="Título 1"/>
+          <p:cNvSpPr>
+            <a:spLocks noGrp="1"/>
+          </p:cNvSpPr>
+          <p:nvPr>
+            <p:ph type="title"/>
+          </p:nvPr>
+        </p:nvSpPr>
+        <p:spPr/>
+        <p:txBody>
+          <a:bodyPr/>
+          <a:lstStyle/>
+          <a:p>
+            <a:r>
+              <a:rPr lang="pt-BR" dirty="0"/>
+              <a:t>Maneiras de como resolver ou evitar problemas de hardware </a:t>
+            </a:r>
+          </a:p>
+        </p:txBody>
+      </p:sp>
+      <p:sp>
+        <p:nvSpPr>
+          <p:cNvPr id="3" name="Espaço Reservado para Conteúdo 2"/>
+          <p:cNvSpPr>
+            <a:spLocks noGrp="1"/>
+          </p:cNvSpPr>
+          <p:nvPr>
+            <p:ph idx="1"/>
+          </p:nvPr>
+        </p:nvSpPr>
+        <p:spPr/>
+        <p:txBody>
+          <a:bodyPr/>
+          <a:lstStyle/>
+          <a:p>
+            <a:r>
+              <a:rPr lang="pt-BR" sz="2000" b="1" dirty="0"/>
+              <a:t>Alto Consumo de Internet </a:t>
+            </a:r>
+            <a:r>
+              <a:rPr lang="pt-BR" sz="2000" b="1" dirty="0" smtClean="0"/>
+              <a:t>Móvel</a:t>
+            </a:r>
+          </a:p>
+          <a:p>
+            <a:pPr marL="0" indent="0">
+              <a:buNone/>
+            </a:pPr>
+            <a:r>
+              <a:rPr lang="pt-BR" b="1" dirty="0" smtClean="0"/>
+              <a:t>-Usar </a:t>
+            </a:r>
+            <a:r>
+              <a:rPr lang="pt-BR" b="1" dirty="0"/>
+              <a:t>Wi-Fi Sempre que Possível:</a:t>
+            </a:r>
+            <a:r>
+              <a:rPr lang="pt-BR" dirty="0"/>
+              <a:t> </a:t>
+            </a:r>
+            <a:r>
+              <a:rPr lang="pt-BR" dirty="0" smtClean="0"/>
+              <a:t>conectar-se </a:t>
+            </a:r>
+            <a:r>
+              <a:rPr lang="pt-BR" dirty="0"/>
+              <a:t>a redes Wi-Fi sempre que disponível para economizar dados móveis</a:t>
+            </a:r>
+            <a:r>
+              <a:rPr lang="pt-BR" dirty="0" smtClean="0"/>
+              <a:t>.</a:t>
+            </a:r>
+          </a:p>
+          <a:p>
+            <a:pPr marL="0" indent="0">
+              <a:buNone/>
+            </a:pPr>
+            <a:r>
+              <a:rPr lang="pt-BR" b="1" dirty="0" smtClean="0"/>
+              <a:t>-Limitar </a:t>
+            </a:r>
+            <a:r>
+              <a:rPr lang="pt-BR" b="1" dirty="0"/>
+              <a:t>Aplicativos que Usam Dados em Segundo Plano:</a:t>
+            </a:r>
+            <a:r>
+              <a:rPr lang="pt-BR" dirty="0"/>
+              <a:t> </a:t>
+            </a:r>
+            <a:r>
+              <a:rPr lang="pt-BR" dirty="0" smtClean="0"/>
+              <a:t>configurar </a:t>
+            </a:r>
+            <a:r>
+              <a:rPr lang="pt-BR" dirty="0"/>
+              <a:t>os aplicativos para usar dados móveis apenas quando estiverem abertos ou desative o uso de dados em segundo plano</a:t>
+            </a:r>
+            <a:r>
+              <a:rPr lang="pt-BR" dirty="0" smtClean="0"/>
+              <a:t>.</a:t>
+            </a:r>
+          </a:p>
+          <a:p>
+            <a:pPr marL="0" indent="0">
+              <a:buNone/>
+            </a:pPr>
+            <a:r>
+              <a:rPr lang="pt-BR" b="1" dirty="0" smtClean="0"/>
+              <a:t>-Utilizar </a:t>
+            </a:r>
+            <a:r>
+              <a:rPr lang="pt-BR" b="1" dirty="0"/>
+              <a:t>Modos de Economia de Dados:</a:t>
+            </a:r>
+            <a:r>
+              <a:rPr lang="pt-BR" dirty="0"/>
+              <a:t> </a:t>
+            </a:r>
+            <a:r>
+              <a:rPr lang="pt-BR" dirty="0" smtClean="0"/>
+              <a:t>muitos </a:t>
+            </a:r>
+            <a:r>
+              <a:rPr lang="pt-BR" dirty="0"/>
+              <a:t>dispositivos têm modos que limitam o uso de dados por aplicativos, economizando </a:t>
+            </a:r>
+            <a:r>
+              <a:rPr lang="pt-BR" dirty="0" smtClean="0"/>
+              <a:t>a </a:t>
+            </a:r>
+            <a:r>
+              <a:rPr lang="pt-BR" dirty="0"/>
+              <a:t>franquia de dados móveis.</a:t>
+            </a:r>
+          </a:p>
+        </p:txBody>
+      </p:sp>
+    </p:spTree>
+    <p:extLst>
+      <p:ext uri="{BB962C8B-B14F-4D97-AF65-F5344CB8AC3E}">
+        <p14:creationId xmlns:p14="http://schemas.microsoft.com/office/powerpoint/2010/main" val="2746128286"/>
+      </p:ext>
+    </p:extLst>
+  </p:cSld>
+  <p:clrMapOvr>
+    <a:masterClrMapping/>
+  </p:clrMapOvr>
+</p:sld>
+</file>
+
+<file path=ppt/slides/slide9.xml><?xml version="1.0" encoding="utf-8"?>
+<p:sld xmlns:a="http://schemas.openxmlformats.org/drawingml/2006/main" xmlns:r="http://schemas.openxmlformats.org/officeDocument/2006/relationships" xmlns:p="http://schemas.openxmlformats.org/presentationml/2006/main">
+  <p:cSld>
+    <p:spTree>
+      <p:nvGrpSpPr>
+        <p:cNvPr id="1" name=""/>
+        <p:cNvGrpSpPr/>
+        <p:nvPr/>
+      </p:nvGrpSpPr>
+      <p:grpSpPr>
+        <a:xfrm>
+          <a:off x="0" y="0"/>
+          <a:ext cx="0" cy="0"/>
+          <a:chOff x="0" y="0"/>
+          <a:chExt cx="0" cy="0"/>
+        </a:xfrm>
+      </p:grpSpPr>
+      <p:sp>
+        <p:nvSpPr>
+          <p:cNvPr id="2" name="Título 1"/>
+          <p:cNvSpPr>
+            <a:spLocks noGrp="1"/>
+          </p:cNvSpPr>
+          <p:nvPr>
+            <p:ph type="title"/>
+          </p:nvPr>
+        </p:nvSpPr>
+        <p:spPr/>
+        <p:txBody>
+          <a:bodyPr/>
+          <a:lstStyle/>
+          <a:p>
+            <a:r>
+              <a:rPr lang="pt-BR" dirty="0"/>
+              <a:t>Maneiras de como resolver ou evitar problemas de hardware </a:t>
+            </a:r>
+          </a:p>
+        </p:txBody>
+      </p:sp>
+      <p:sp>
+        <p:nvSpPr>
+          <p:cNvPr id="3" name="Espaço Reservado para Conteúdo 2"/>
+          <p:cNvSpPr>
+            <a:spLocks noGrp="1"/>
+          </p:cNvSpPr>
+          <p:nvPr>
+            <p:ph idx="1"/>
+          </p:nvPr>
+        </p:nvSpPr>
+        <p:spPr/>
+        <p:txBody>
+          <a:bodyPr/>
+          <a:lstStyle/>
+          <a:p>
+            <a:r>
+              <a:rPr lang="pt-BR" sz="2000" b="1" dirty="0"/>
+              <a:t>Problemas de Conectividade de </a:t>
+            </a:r>
+            <a:r>
+              <a:rPr lang="pt-BR" sz="2000" b="1" dirty="0" smtClean="0"/>
+              <a:t>Internet</a:t>
+            </a:r>
+          </a:p>
+          <a:p>
+            <a:pPr marL="0" indent="0">
+              <a:buNone/>
+            </a:pPr>
+            <a:r>
+              <a:rPr lang="pt-BR" b="1" dirty="0" smtClean="0"/>
+              <a:t>-Verificar </a:t>
+            </a:r>
+            <a:r>
+              <a:rPr lang="pt-BR" b="1" dirty="0"/>
+              <a:t>a Conexão:</a:t>
+            </a:r>
+            <a:r>
+              <a:rPr lang="pt-BR" dirty="0"/>
+              <a:t> </a:t>
+            </a:r>
+            <a:r>
+              <a:rPr lang="pt-BR" dirty="0" smtClean="0"/>
+              <a:t>certificar </a:t>
+            </a:r>
+            <a:r>
+              <a:rPr lang="pt-BR" dirty="0"/>
+              <a:t>de que </a:t>
+            </a:r>
+            <a:r>
+              <a:rPr lang="pt-BR" dirty="0" smtClean="0"/>
+              <a:t>o </a:t>
+            </a:r>
+            <a:r>
+              <a:rPr lang="pt-BR" dirty="0"/>
+              <a:t>dispositivo está dentro do alcance do sinal Wi-Fi e que não há problemas com a rede</a:t>
+            </a:r>
+            <a:r>
+              <a:rPr lang="pt-BR" dirty="0" smtClean="0"/>
+              <a:t>.</a:t>
+            </a:r>
+          </a:p>
+          <a:p>
+            <a:pPr marL="0" indent="0">
+              <a:buNone/>
+            </a:pPr>
+            <a:r>
+              <a:rPr lang="pt-BR" b="1" dirty="0" smtClean="0"/>
+              <a:t>-Verificar </a:t>
+            </a:r>
+            <a:r>
+              <a:rPr lang="pt-BR" b="1" dirty="0"/>
+              <a:t>Configurações de Rede:</a:t>
+            </a:r>
+            <a:r>
+              <a:rPr lang="pt-BR" dirty="0"/>
+              <a:t> </a:t>
+            </a:r>
+            <a:r>
+              <a:rPr lang="pt-BR" dirty="0" smtClean="0"/>
+              <a:t>certificar </a:t>
+            </a:r>
+            <a:r>
+              <a:rPr lang="pt-BR" dirty="0"/>
+              <a:t>de que as configurações de rede </a:t>
+            </a:r>
+            <a:r>
+              <a:rPr lang="pt-BR" dirty="0" smtClean="0"/>
+              <a:t>no dispositivo </a:t>
+            </a:r>
+            <a:r>
+              <a:rPr lang="pt-BR" dirty="0"/>
+              <a:t>estão corretas e que não há problemas de configuração</a:t>
+            </a:r>
+            <a:r>
+              <a:rPr lang="pt-BR" dirty="0" smtClean="0"/>
+              <a:t>.</a:t>
+            </a:r>
+          </a:p>
+          <a:p>
+            <a:pPr marL="0" indent="0">
+              <a:buNone/>
+            </a:pPr>
+            <a:r>
+              <a:rPr lang="pt-BR" b="1" dirty="0" smtClean="0"/>
+              <a:t>-Reiniciar </a:t>
+            </a:r>
+            <a:r>
+              <a:rPr lang="pt-BR" b="1" dirty="0"/>
+              <a:t>o Roteador e o Dispositivo:</a:t>
+            </a:r>
+            <a:r>
+              <a:rPr lang="pt-BR" dirty="0"/>
+              <a:t> </a:t>
+            </a:r>
+            <a:r>
+              <a:rPr lang="pt-BR" dirty="0" smtClean="0"/>
+              <a:t>às </a:t>
+            </a:r>
+            <a:r>
+              <a:rPr lang="pt-BR" dirty="0"/>
+              <a:t>vezes, problemas de conectividade podem ser resolvidos reiniciando o roteador e o dispositivo móvel.</a:t>
+            </a:r>
+          </a:p>
+        </p:txBody>
+      </p:sp>
+    </p:spTree>
+    <p:extLst>
+      <p:ext uri="{BB962C8B-B14F-4D97-AF65-F5344CB8AC3E}">
+        <p14:creationId xmlns:p14="http://schemas.microsoft.com/office/powerpoint/2010/main" val="2526277277"/>
       </p:ext>
     </p:extLst>
   </p:cSld>

--- a/ed-01/CurrentProblemsInExistentApps.pptx
+++ b/ed-01/CurrentProblemsInExistentApps.pptx
@@ -13467,7 +13467,19 @@
           <a:p>
             <a:r>
               <a:rPr lang="pt-BR" dirty="0"/>
-              <a:t>Interface mal projetada para mudança de orientação:</a:t>
+              <a:t>Interface mal projetada para mudança de orientação</a:t>
+            </a:r>
+            <a:r>
+              <a:rPr lang="pt-BR" dirty="0" smtClean="0"/>
+              <a:t>: </a:t>
+            </a:r>
+            <a:r>
+              <a:rPr lang="pt-BR" smtClean="0"/>
+              <a:t>Steam</a:t>
+            </a:r>
+            <a:r>
+              <a:rPr lang="pt-BR" dirty="0"/>
+              <a:t/>
             </a:r>
             <a:br>
               <a:rPr lang="pt-BR" dirty="0"/>
